--- a/images/nano-states.pptx
+++ b/images/nano-states.pptx
@@ -283,7 +283,7 @@
               <a:pPr>
                 <a:defRPr/>
               </a:pPr>
-              <a:t>8/24/23</a:t>
+              <a:t>11/18/2021</a:t>
             </a:fld>
             <a:endParaRPr lang="en-US" dirty="0"/>
           </a:p>
@@ -506,7 +506,7 @@
               <a:pPr>
                 <a:defRPr/>
               </a:pPr>
-              <a:t>8/24/23</a:t>
+              <a:t>11/18/2021</a:t>
             </a:fld>
             <a:endParaRPr lang="en-US" dirty="0"/>
           </a:p>
@@ -930,7 +930,7 @@
               </a14:hiddenLine>
             </a:ext>
             <a:ext uri="{FAA26D3D-D897-4be2-8F04-BA451C77F1D7}">
-              <ma14:placeholderFlag xmlns="" xmlns:ma14="http://schemas.microsoft.com/office/mac/drawingml/2011/main" val="1"/>
+              <ma14:placeholderFlag xmlns:ma14="http://schemas.microsoft.com/office/mac/drawingml/2011/main" xmlns="" val="1"/>
             </a:ext>
           </a:extLst>
         </p:spPr>
@@ -1740,7 +1740,7 @@
           <p:spPr>
             <a:xfrm>
               <a:off x="4018477" y="1159230"/>
-              <a:ext cx="1140056" cy="276999"/>
+              <a:ext cx="1116011" cy="276999"/>
             </a:xfrm>
             <a:prstGeom prst="rect">
               <a:avLst/>
@@ -1755,14 +1755,12 @@
             <a:p>
               <a:r>
                 <a:rPr lang="en-US" sz="1200" b="1" dirty="0">
-                  <a:latin typeface="CiscoSansTT Thin" panose="020F0302020204030204" pitchFamily="34" charset="0"/>
-                  <a:cs typeface="CiscoSansTT Thin" panose="020F0302020204030204" pitchFamily="34" charset="0"/>
+                  <a:latin typeface="+mn-lt"/>
                 </a:rPr>
                 <a:t>Nano Service</a:t>
               </a:r>
               <a:endParaRPr lang="en-SI" sz="1200" b="1" dirty="0">
-                <a:latin typeface="CiscoSansTT Thin" panose="020F0302020204030204" pitchFamily="34" charset="0"/>
-                <a:cs typeface="CiscoSansTT Thin" panose="020F0302020204030204" pitchFamily="34" charset="0"/>
+                <a:latin typeface="+mn-lt"/>
               </a:endParaRPr>
             </a:p>
           </p:txBody>
@@ -1839,8 +1837,8 @@
           </p:nvSpPr>
           <p:spPr>
             <a:xfrm flipV="1">
-              <a:off x="2492599" y="1800932"/>
-              <a:ext cx="714428" cy="246221"/>
+              <a:off x="2492599" y="1800935"/>
+              <a:ext cx="452471" cy="246221"/>
             </a:xfrm>
             <a:prstGeom prst="snip1Rect">
               <a:avLst>
@@ -1900,7 +1898,7 @@
           <p:spPr>
             <a:xfrm>
               <a:off x="2492599" y="1800935"/>
-              <a:ext cx="762001" cy="246221"/>
+              <a:ext cx="388248" cy="246221"/>
             </a:xfrm>
             <a:prstGeom prst="rect">
               <a:avLst/>
@@ -1911,29 +1909,19 @@
             </a:ln>
           </p:spPr>
           <p:txBody>
-            <a:bodyPr wrap="square" rtlCol="0">
+            <a:bodyPr wrap="none" rtlCol="0">
               <a:spAutoFit/>
             </a:bodyPr>
             <a:lstStyle/>
             <a:p>
               <a:r>
-                <a:rPr lang="en-US" sz="1000" dirty="0" err="1">
-                  <a:solidFill>
-                    <a:srgbClr val="3B3B3B"/>
-                  </a:solidFill>
-                  <a:effectLst/>
-                  <a:latin typeface="CiscoSansTT Thin" panose="020F0302020204030204" pitchFamily="34" charset="0"/>
-                  <a:cs typeface="CiscoSansTT Thin" panose="020F0302020204030204" pitchFamily="34" charset="0"/>
+                <a:rPr lang="en-US" sz="1000" dirty="0">
+                  <a:latin typeface="+mn-lt"/>
                 </a:rPr>
-                <a:t>vr:vrouter</a:t>
+                <a:t>self</a:t>
               </a:r>
-              <a:endParaRPr lang="en-US" sz="1000" dirty="0">
-                <a:solidFill>
-                  <a:srgbClr val="3B3B3B"/>
-                </a:solidFill>
-                <a:effectLst/>
-                <a:latin typeface="CiscoSansTT Thin" panose="020F0302020204030204" pitchFamily="34" charset="0"/>
-                <a:cs typeface="CiscoSansTT Thin" panose="020F0302020204030204" pitchFamily="34" charset="0"/>
+              <a:endParaRPr lang="en-SI" dirty="0">
+                <a:latin typeface="+mn-lt"/>
               </a:endParaRPr>
             </a:p>
           </p:txBody>
@@ -2008,7 +1996,7 @@
           <p:spPr>
             <a:xfrm>
               <a:off x="2151647" y="1436229"/>
-              <a:ext cx="888385" cy="276999"/>
+              <a:ext cx="896399" cy="276999"/>
             </a:xfrm>
             <a:prstGeom prst="rect">
               <a:avLst/>
@@ -2026,14 +2014,12 @@
             <a:p>
               <a:r>
                 <a:rPr lang="en-US" sz="1200" dirty="0">
-                  <a:latin typeface="CiscoSansTT Thin" panose="020F0302020204030204" pitchFamily="34" charset="0"/>
-                  <a:cs typeface="CiscoSansTT Thin" panose="020F0302020204030204" pitchFamily="34" charset="0"/>
+                  <a:latin typeface="+mn-lt"/>
                 </a:rPr>
                 <a:t>nano-plan</a:t>
               </a:r>
               <a:endParaRPr lang="en-SI" sz="1200" dirty="0">
-                <a:latin typeface="CiscoSansTT Thin" panose="020F0302020204030204" pitchFamily="34" charset="0"/>
-                <a:cs typeface="CiscoSansTT Thin" panose="020F0302020204030204" pitchFamily="34" charset="0"/>
+                <a:latin typeface="+mn-lt"/>
               </a:endParaRPr>
             </a:p>
           </p:txBody>
@@ -3639,20 +3625,20 @@
 </file>
 
 <file path=customXml/item1.xml><?xml version="1.0" encoding="utf-8"?>
+<p:properties xmlns:p="http://schemas.microsoft.com/office/2006/metadata/properties" xmlns:xsi="http://www.w3.org/2001/XMLSchema-instance" xmlns:pc="http://schemas.microsoft.com/office/infopath/2007/PartnerControls">
+  <documentManagement>
+    <x0h2 xmlns="34968e7b-9d4e-4a89-8768-2a6d2a4b1992" xsi:nil="true"/>
+  </documentManagement>
+</p:properties>
+</file>
+
+<file path=customXml/item2.xml><?xml version="1.0" encoding="utf-8"?>
 <?mso-contentType ?>
 <FormTemplates xmlns="http://schemas.microsoft.com/sharepoint/v3/contenttype/forms">
   <Display>DocumentLibraryForm</Display>
   <Edit>DocumentLibraryForm</Edit>
   <New>DocumentLibraryForm</New>
 </FormTemplates>
-</file>
-
-<file path=customXml/item2.xml><?xml version="1.0" encoding="utf-8"?>
-<p:properties xmlns:p="http://schemas.microsoft.com/office/2006/metadata/properties" xmlns:xsi="http://www.w3.org/2001/XMLSchema-instance" xmlns:pc="http://schemas.microsoft.com/office/infopath/2007/PartnerControls">
-  <documentManagement>
-    <x0h2 xmlns="34968e7b-9d4e-4a89-8768-2a6d2a4b1992" xsi:nil="true"/>
-  </documentManagement>
-</p:properties>
 </file>
 
 <file path=customXml/item3.xml><?xml version="1.0" encoding="utf-8"?>
@@ -3873,14 +3859,6 @@
 </file>
 
 <file path=customXml/itemProps1.xml><?xml version="1.0" encoding="utf-8"?>
-<ds:datastoreItem xmlns:ds="http://schemas.openxmlformats.org/officeDocument/2006/customXml" ds:itemID="{7DE97B48-5A2B-4B7A-A549-0A8718B50E56}">
-  <ds:schemaRefs>
-    <ds:schemaRef ds:uri="http://schemas.microsoft.com/sharepoint/v3/contenttype/forms"/>
-  </ds:schemaRefs>
-</ds:datastoreItem>
-</file>
-
-<file path=customXml/itemProps2.xml><?xml version="1.0" encoding="utf-8"?>
 <ds:datastoreItem xmlns:ds="http://schemas.openxmlformats.org/officeDocument/2006/customXml" ds:itemID="{B3D56160-6CAC-411B-BC9E-725DD541A968}">
   <ds:schemaRefs>
     <ds:schemaRef ds:uri="http://purl.org/dc/dcmitype/"/>
@@ -3893,6 +3871,14 @@
     <ds:schemaRef ds:uri="http://schemas.microsoft.com/office/infopath/2007/PartnerControls"/>
     <ds:schemaRef ds:uri="http://schemas.openxmlformats.org/package/2006/metadata/core-properties"/>
     <ds:schemaRef ds:uri="http://schemas.microsoft.com/office/2006/metadata/properties"/>
+  </ds:schemaRefs>
+</ds:datastoreItem>
+</file>
+
+<file path=customXml/itemProps2.xml><?xml version="1.0" encoding="utf-8"?>
+<ds:datastoreItem xmlns:ds="http://schemas.openxmlformats.org/officeDocument/2006/customXml" ds:itemID="{7DE97B48-5A2B-4B7A-A549-0A8718B50E56}">
+  <ds:schemaRefs>
+    <ds:schemaRef ds:uri="http://schemas.microsoft.com/sharepoint/v3/contenttype/forms"/>
   </ds:schemaRefs>
 </ds:datastoreItem>
 </file>
